--- a/獻上尊榮.pptx
+++ b/獻上尊榮.pptx
@@ -5,9 +5,13 @@
     <p:sldMasterId id="2147483660" r:id="rId1"/>
   </p:sldMasterIdLst>
   <p:sldIdLst>
-    <p:sldId id="257" r:id="rId2"/>
-    <p:sldId id="258" r:id="rId3"/>
-    <p:sldId id="259" r:id="rId4"/>
+    <p:sldId id="260" r:id="rId2"/>
+    <p:sldId id="261" r:id="rId3"/>
+    <p:sldId id="262" r:id="rId4"/>
+    <p:sldId id="263" r:id="rId5"/>
+    <p:sldId id="264" r:id="rId6"/>
+    <p:sldId id="265" r:id="rId7"/>
+    <p:sldId id="266" r:id="rId8"/>
   </p:sldIdLst>
   <p:sldSz cx="9144000" cy="5143500" type="screen16x9"/>
   <p:notesSz cx="6858000" cy="9144000"/>
@@ -106,6 +110,22 @@
       </a:defRPr>
     </a:lvl9pPr>
   </p:defaultTextStyle>
+  <p:extLst>
+    <p:ext uri="{EFAFB233-063F-42B5-8137-9DF3F51BA10A}">
+      <p15:sldGuideLst xmlns:p15="http://schemas.microsoft.com/office/powerpoint/2012/main">
+        <p15:guide id="1" orient="horz" pos="1620">
+          <p15:clr>
+            <a:srgbClr val="A4A3A4"/>
+          </p15:clr>
+        </p15:guide>
+        <p15:guide id="2" pos="2880">
+          <p15:clr>
+            <a:srgbClr val="A4A3A4"/>
+          </p15:clr>
+        </p15:guide>
+      </p15:sldGuideLst>
+    </p:ext>
+  </p:extLst>
 </p:presentation>
 </file>
 
@@ -290,7 +310,7 @@
           <a:p>
             <a:fld id="{5E62D6B2-7E33-46AD-B130-D8364AACFF57}" type="datetimeFigureOut">
               <a:rPr lang="en-US" smtClean="0"/>
-              <a:t>8/9/2019</a:t>
+              <a:t>2/9/2021</a:t>
             </a:fld>
             <a:endParaRPr lang="en-US"/>
           </a:p>
@@ -455,7 +475,7 @@
           <a:p>
             <a:fld id="{5E62D6B2-7E33-46AD-B130-D8364AACFF57}" type="datetimeFigureOut">
               <a:rPr lang="en-US" smtClean="0"/>
-              <a:t>8/9/2019</a:t>
+              <a:t>2/9/2021</a:t>
             </a:fld>
             <a:endParaRPr lang="en-US"/>
           </a:p>
@@ -630,7 +650,7 @@
           <a:p>
             <a:fld id="{5E62D6B2-7E33-46AD-B130-D8364AACFF57}" type="datetimeFigureOut">
               <a:rPr lang="en-US" smtClean="0"/>
-              <a:t>8/9/2019</a:t>
+              <a:t>2/9/2021</a:t>
             </a:fld>
             <a:endParaRPr lang="en-US"/>
           </a:p>
@@ -795,7 +815,7 @@
           <a:p>
             <a:fld id="{5E62D6B2-7E33-46AD-B130-D8364AACFF57}" type="datetimeFigureOut">
               <a:rPr lang="en-US" smtClean="0"/>
-              <a:t>8/9/2019</a:t>
+              <a:t>2/9/2021</a:t>
             </a:fld>
             <a:endParaRPr lang="en-US"/>
           </a:p>
@@ -1036,7 +1056,7 @@
           <a:p>
             <a:fld id="{5E62D6B2-7E33-46AD-B130-D8364AACFF57}" type="datetimeFigureOut">
               <a:rPr lang="en-US" smtClean="0"/>
-              <a:t>8/9/2019</a:t>
+              <a:t>2/9/2021</a:t>
             </a:fld>
             <a:endParaRPr lang="en-US"/>
           </a:p>
@@ -1319,7 +1339,7 @@
           <a:p>
             <a:fld id="{5E62D6B2-7E33-46AD-B130-D8364AACFF57}" type="datetimeFigureOut">
               <a:rPr lang="en-US" smtClean="0"/>
-              <a:t>8/9/2019</a:t>
+              <a:t>2/9/2021</a:t>
             </a:fld>
             <a:endParaRPr lang="en-US"/>
           </a:p>
@@ -1736,7 +1756,7 @@
           <a:p>
             <a:fld id="{5E62D6B2-7E33-46AD-B130-D8364AACFF57}" type="datetimeFigureOut">
               <a:rPr lang="en-US" smtClean="0"/>
-              <a:t>8/9/2019</a:t>
+              <a:t>2/9/2021</a:t>
             </a:fld>
             <a:endParaRPr lang="en-US"/>
           </a:p>
@@ -1849,7 +1869,7 @@
           <a:p>
             <a:fld id="{5E62D6B2-7E33-46AD-B130-D8364AACFF57}" type="datetimeFigureOut">
               <a:rPr lang="en-US" smtClean="0"/>
-              <a:t>8/9/2019</a:t>
+              <a:t>2/9/2021</a:t>
             </a:fld>
             <a:endParaRPr lang="en-US"/>
           </a:p>
@@ -1939,7 +1959,7 @@
           <a:p>
             <a:fld id="{5E62D6B2-7E33-46AD-B130-D8364AACFF57}" type="datetimeFigureOut">
               <a:rPr lang="en-US" smtClean="0"/>
-              <a:t>8/9/2019</a:t>
+              <a:t>2/9/2021</a:t>
             </a:fld>
             <a:endParaRPr lang="en-US"/>
           </a:p>
@@ -2211,7 +2231,7 @@
           <a:p>
             <a:fld id="{5E62D6B2-7E33-46AD-B130-D8364AACFF57}" type="datetimeFigureOut">
               <a:rPr lang="en-US" smtClean="0"/>
-              <a:t>8/9/2019</a:t>
+              <a:t>2/9/2021</a:t>
             </a:fld>
             <a:endParaRPr lang="en-US"/>
           </a:p>
@@ -2463,7 +2483,7 @@
           <a:p>
             <a:fld id="{5E62D6B2-7E33-46AD-B130-D8364AACFF57}" type="datetimeFigureOut">
               <a:rPr lang="en-US" smtClean="0"/>
-              <a:t>8/9/2019</a:t>
+              <a:t>2/9/2021</a:t>
             </a:fld>
             <a:endParaRPr lang="en-US"/>
           </a:p>
@@ -2676,7 +2696,7 @@
           <a:p>
             <a:fld id="{5E62D6B2-7E33-46AD-B130-D8364AACFF57}" type="datetimeFigureOut">
               <a:rPr lang="en-US" smtClean="0"/>
-              <a:t>8/9/2019</a:t>
+              <a:t>2/9/2021</a:t>
             </a:fld>
             <a:endParaRPr lang="en-US"/>
           </a:p>
@@ -3048,7 +3068,7 @@
       </p:grpSpPr>
       <p:sp>
         <p:nvSpPr>
-          <p:cNvPr id="2" name="Title 1"/>
+          <p:cNvPr id="4" name="標題 3"/>
           <p:cNvSpPr>
             <a:spLocks noGrp="1"/>
           </p:cNvSpPr>
@@ -3056,175 +3076,65 @@
             <p:ph type="title"/>
           </p:nvPr>
         </p:nvSpPr>
-        <p:spPr/>
-        <p:txBody>
-          <a:bodyPr>
-            <a:normAutofit/>
-          </a:bodyPr>
-          <a:lstStyle/>
-          <a:p>
-            <a:r>
-              <a:rPr lang="zh-CN" altLang="en-US" sz="4000" b="1" dirty="0">
-                <a:latin typeface="Microsoft JhengHei" pitchFamily="34" charset="-120"/>
-                <a:ea typeface="Microsoft JhengHei" pitchFamily="34" charset="-120"/>
-              </a:rPr>
-              <a:t>獻上尊榮</a:t>
-            </a:r>
-            <a:endParaRPr lang="en-US" sz="4000" b="1" dirty="0">
-              <a:latin typeface="Microsoft JhengHei" pitchFamily="34" charset="-120"/>
-              <a:ea typeface="Microsoft JhengHei" pitchFamily="34" charset="-120"/>
-            </a:endParaRPr>
-          </a:p>
-        </p:txBody>
-      </p:sp>
-      <p:sp>
-        <p:nvSpPr>
-          <p:cNvPr id="3" name="Content Placeholder 2"/>
-          <p:cNvSpPr>
-            <a:spLocks noGrp="1"/>
-          </p:cNvSpPr>
-          <p:nvPr>
-            <p:ph idx="1"/>
-          </p:nvPr>
-        </p:nvSpPr>
-        <p:spPr/>
+        <p:spPr>
+          <a:xfrm>
+            <a:off x="0" y="2143135"/>
+            <a:ext cx="9144000" cy="857250"/>
+          </a:xfrm>
+        </p:spPr>
         <p:txBody>
           <a:bodyPr>
             <a:noAutofit/>
           </a:bodyPr>
           <a:lstStyle/>
           <a:p>
-            <a:pPr marL="0" indent="0" algn="ctr">
-              <a:buNone/>
-            </a:pPr>
-            <a:r>
-              <a:rPr lang="zh-TW" altLang="en-US" sz="4800" b="1" dirty="0">
-                <a:latin typeface="Microsoft JhengHei" pitchFamily="34" charset="-120"/>
-                <a:ea typeface="Microsoft JhengHei" pitchFamily="34" charset="-120"/>
+            <a:r>
+              <a:rPr lang="zh-CN" altLang="en-US" sz="5400" b="1" i="1" dirty="0" smtClean="0">
+                <a:solidFill>
+                  <a:srgbClr val="000066"/>
+                </a:solidFill>
+                <a:effectLst>
+                  <a:outerShdw blurRad="38100" dist="38100" dir="2700000" algn="tl">
+                    <a:srgbClr val="000000">
+                      <a:alpha val="43137"/>
+                    </a:srgbClr>
+                  </a:outerShdw>
+                </a:effectLst>
+                <a:latin typeface="微軟正黑體" pitchFamily="34" charset="-120"/>
+                <a:ea typeface="微軟正黑體" pitchFamily="34" charset="-120"/>
               </a:rPr>
-              <a:t>耶穌基</a:t>
-            </a:r>
-            <a:r>
-              <a:rPr lang="zh-TW" altLang="en-US" sz="4800" b="1" dirty="0" smtClean="0">
-                <a:latin typeface="Microsoft JhengHei" pitchFamily="34" charset="-120"/>
-                <a:ea typeface="Microsoft JhengHei" pitchFamily="34" charset="-120"/>
+              <a:t>獻</a:t>
+            </a:r>
+            <a:r>
+              <a:rPr lang="zh-CN" altLang="en-US" sz="5400" b="1" i="1" dirty="0">
+                <a:solidFill>
+                  <a:srgbClr val="000066"/>
+                </a:solidFill>
+                <a:effectLst>
+                  <a:outerShdw blurRad="38100" dist="38100" dir="2700000" algn="tl">
+                    <a:srgbClr val="000000">
+                      <a:alpha val="43137"/>
+                    </a:srgbClr>
+                  </a:outerShdw>
+                </a:effectLst>
+                <a:latin typeface="微軟正黑體" pitchFamily="34" charset="-120"/>
+                <a:ea typeface="微軟正黑體" pitchFamily="34" charset="-120"/>
               </a:rPr>
-              <a:t>督   榮</a:t>
-            </a:r>
-            <a:r>
-              <a:rPr lang="zh-TW" altLang="en-US" sz="4800" b="1" dirty="0">
-                <a:latin typeface="Microsoft JhengHei" pitchFamily="34" charset="-120"/>
-                <a:ea typeface="Microsoft JhengHei" pitchFamily="34" charset="-120"/>
-              </a:rPr>
-              <a:t>耀父神彰</a:t>
-            </a:r>
-            <a:r>
-              <a:rPr lang="zh-TW" altLang="en-US" sz="4800" b="1" dirty="0" smtClean="0">
-                <a:latin typeface="Microsoft JhengHei" pitchFamily="34" charset="-120"/>
-                <a:ea typeface="Microsoft JhengHei" pitchFamily="34" charset="-120"/>
-              </a:rPr>
-              <a:t>顯</a:t>
-            </a:r>
-            <a:endParaRPr lang="en-US" altLang="zh-TW" sz="4800" b="1" dirty="0" smtClean="0">
-              <a:latin typeface="Microsoft JhengHei" pitchFamily="34" charset="-120"/>
-              <a:ea typeface="Microsoft JhengHei" pitchFamily="34" charset="-120"/>
-            </a:endParaRPr>
-          </a:p>
-          <a:p>
-            <a:pPr marL="0" indent="0" algn="ctr">
-              <a:buNone/>
-            </a:pPr>
-            <a:r>
-              <a:rPr lang="zh-TW" altLang="en-US" sz="4800" b="1" dirty="0" smtClean="0">
-                <a:latin typeface="Microsoft JhengHei" pitchFamily="34" charset="-120"/>
-                <a:ea typeface="Microsoft JhengHei" pitchFamily="34" charset="-120"/>
-              </a:rPr>
-              <a:t>救</a:t>
-            </a:r>
-            <a:r>
-              <a:rPr lang="zh-TW" altLang="en-US" sz="4800" b="1" dirty="0">
-                <a:latin typeface="Microsoft JhengHei" pitchFamily="34" charset="-120"/>
-                <a:ea typeface="Microsoft JhengHei" pitchFamily="34" charset="-120"/>
-              </a:rPr>
-              <a:t>贖真</a:t>
-            </a:r>
-            <a:r>
-              <a:rPr lang="zh-TW" altLang="en-US" sz="4800" b="1" dirty="0" smtClean="0">
-                <a:latin typeface="Microsoft JhengHei" pitchFamily="34" charset="-120"/>
-                <a:ea typeface="Microsoft JhengHei" pitchFamily="34" charset="-120"/>
-              </a:rPr>
-              <a:t>光   萬</a:t>
-            </a:r>
-            <a:r>
-              <a:rPr lang="zh-TW" altLang="en-US" sz="4800" b="1" dirty="0">
-                <a:latin typeface="Microsoft JhengHei" pitchFamily="34" charset="-120"/>
-                <a:ea typeface="Microsoft JhengHei" pitchFamily="34" charset="-120"/>
-              </a:rPr>
-              <a:t>國的盼</a:t>
-            </a:r>
-            <a:r>
-              <a:rPr lang="zh-TW" altLang="en-US" sz="4800" b="1" dirty="0" smtClean="0">
-                <a:latin typeface="Microsoft JhengHei" pitchFamily="34" charset="-120"/>
-                <a:ea typeface="Microsoft JhengHei" pitchFamily="34" charset="-120"/>
-              </a:rPr>
-              <a:t>望</a:t>
-            </a:r>
-            <a:endParaRPr lang="en-US" altLang="zh-TW" sz="4800" b="1" dirty="0">
-              <a:latin typeface="Microsoft JhengHei" pitchFamily="34" charset="-120"/>
-              <a:ea typeface="Microsoft JhengHei" pitchFamily="34" charset="-120"/>
-            </a:endParaRPr>
-          </a:p>
-          <a:p>
-            <a:pPr marL="0" indent="0" algn="ctr">
-              <a:buNone/>
-            </a:pPr>
-            <a:r>
-              <a:rPr lang="zh-TW" altLang="en-US" sz="4800" b="1" dirty="0" smtClean="0">
-                <a:latin typeface="Microsoft JhengHei" pitchFamily="34" charset="-120"/>
-                <a:ea typeface="Microsoft JhengHei" pitchFamily="34" charset="-120"/>
-              </a:rPr>
-              <a:t>你</a:t>
-            </a:r>
-            <a:r>
-              <a:rPr lang="zh-TW" altLang="en-US" sz="4800" b="1" dirty="0">
-                <a:latin typeface="Microsoft JhengHei" pitchFamily="34" charset="-120"/>
-                <a:ea typeface="Microsoft JhengHei" pitchFamily="34" charset="-120"/>
-              </a:rPr>
-              <a:t>的國度寶座存到永</a:t>
-            </a:r>
-            <a:r>
-              <a:rPr lang="zh-TW" altLang="en-US" sz="4800" b="1" dirty="0" smtClean="0">
-                <a:latin typeface="Microsoft JhengHei" pitchFamily="34" charset="-120"/>
-                <a:ea typeface="Microsoft JhengHei" pitchFamily="34" charset="-120"/>
-              </a:rPr>
-              <a:t>遠</a:t>
-            </a:r>
-            <a:endParaRPr lang="en-US" altLang="zh-TW" sz="4800" b="1" dirty="0" smtClean="0">
-              <a:latin typeface="Microsoft JhengHei" pitchFamily="34" charset="-120"/>
-              <a:ea typeface="Microsoft JhengHei" pitchFamily="34" charset="-120"/>
-            </a:endParaRPr>
-          </a:p>
-          <a:p>
-            <a:pPr marL="0" indent="0" algn="ctr">
-              <a:buNone/>
-            </a:pPr>
-            <a:r>
-              <a:rPr lang="zh-TW" altLang="en-US" sz="4800" b="1" dirty="0" smtClean="0">
-                <a:latin typeface="Microsoft JhengHei" pitchFamily="34" charset="-120"/>
-                <a:ea typeface="Microsoft JhengHei" pitchFamily="34" charset="-120"/>
-              </a:rPr>
-              <a:t>唯</a:t>
-            </a:r>
-            <a:r>
-              <a:rPr lang="zh-TW" altLang="en-US" sz="4800" b="1" dirty="0">
-                <a:latin typeface="Microsoft JhengHei" pitchFamily="34" charset="-120"/>
-                <a:ea typeface="Microsoft JhengHei" pitchFamily="34" charset="-120"/>
-              </a:rPr>
-              <a:t>有你配得所有頌讚</a:t>
-            </a:r>
-            <a:endParaRPr lang="en-US" sz="4800" b="1" dirty="0">
-              <a:latin typeface="Microsoft JhengHei" pitchFamily="34" charset="-120"/>
-              <a:ea typeface="Microsoft JhengHei" pitchFamily="34" charset="-120"/>
+              <a:t>上尊榮</a:t>
+            </a:r>
+            <a:endParaRPr lang="zh-TW" altLang="en-US" sz="5400" b="1" i="1" dirty="0">
+              <a:solidFill>
+                <a:srgbClr val="000066"/>
+              </a:solidFill>
+              <a:effectLst>
+                <a:outerShdw blurRad="38100" dist="38100" dir="2700000" algn="tl">
+                  <a:srgbClr val="000000">
+                    <a:alpha val="43137"/>
+                  </a:srgbClr>
+                </a:outerShdw>
+              </a:effectLst>
+              <a:latin typeface="微軟正黑體" pitchFamily="34" charset="-120"/>
+              <a:ea typeface="微軟正黑體" pitchFamily="34" charset="-120"/>
             </a:endParaRPr>
           </a:p>
         </p:txBody>
@@ -3232,7 +3142,7 @@
     </p:spTree>
     <p:extLst>
       <p:ext uri="{BB962C8B-B14F-4D97-AF65-F5344CB8AC3E}">
-        <p14:creationId xmlns:p14="http://schemas.microsoft.com/office/powerpoint/2010/main" val="936887729"/>
+        <p14:creationId xmlns:p14="http://schemas.microsoft.com/office/powerpoint/2010/main" val="1640074349"/>
       </p:ext>
     </p:extLst>
   </p:cSld>
@@ -3261,184 +3171,115 @@
       </p:grpSpPr>
       <p:sp>
         <p:nvSpPr>
-          <p:cNvPr id="2" name="Title 1"/>
-          <p:cNvSpPr>
-            <a:spLocks noGrp="1"/>
-          </p:cNvSpPr>
-          <p:nvPr>
-            <p:ph type="title"/>
-          </p:nvPr>
-        </p:nvSpPr>
-        <p:spPr/>
-        <p:txBody>
-          <a:bodyPr>
+          <p:cNvPr id="5" name="內容版面配置區 4"/>
+          <p:cNvSpPr>
+            <a:spLocks noGrp="1"/>
+          </p:cNvSpPr>
+          <p:nvPr>
+            <p:ph idx="1"/>
+          </p:nvPr>
+        </p:nvSpPr>
+        <p:spPr>
+          <a:xfrm>
+            <a:off x="0" y="1563638"/>
+            <a:ext cx="9144000" cy="1803647"/>
+          </a:xfrm>
+        </p:spPr>
+        <p:txBody>
+          <a:bodyPr anchor="ctr">
             <a:normAutofit/>
           </a:bodyPr>
           <a:lstStyle/>
           <a:p>
-            <a:r>
-              <a:rPr lang="zh-CN" altLang="en-US" sz="4000" b="1" dirty="0">
+            <a:pPr marL="0" indent="0" algn="ctr">
+              <a:buNone/>
+            </a:pPr>
+            <a:r>
+              <a:rPr lang="zh-TW" altLang="en-US" sz="4800" b="1" dirty="0">
+                <a:solidFill>
+                  <a:srgbClr val="000066"/>
+                </a:solidFill>
                 <a:latin typeface="Microsoft JhengHei" pitchFamily="34" charset="-120"/>
                 <a:ea typeface="Microsoft JhengHei" pitchFamily="34" charset="-120"/>
               </a:rPr>
-              <a:t>獻上尊榮</a:t>
-            </a:r>
-            <a:endParaRPr lang="en-US" sz="4000" b="1" dirty="0">
+              <a:t>耶穌基督  </a:t>
+            </a:r>
+            <a:r>
+              <a:rPr lang="zh-TW" altLang="en-US" sz="4800" b="1" dirty="0" smtClean="0">
+                <a:solidFill>
+                  <a:srgbClr val="000066"/>
+                </a:solidFill>
+                <a:latin typeface="Microsoft JhengHei" pitchFamily="34" charset="-120"/>
+                <a:ea typeface="Microsoft JhengHei" pitchFamily="34" charset="-120"/>
+              </a:rPr>
+              <a:t>榮</a:t>
+            </a:r>
+            <a:r>
+              <a:rPr lang="zh-TW" altLang="en-US" sz="4800" b="1" dirty="0">
+                <a:solidFill>
+                  <a:srgbClr val="000066"/>
+                </a:solidFill>
+                <a:latin typeface="Microsoft JhengHei" pitchFamily="34" charset="-120"/>
+                <a:ea typeface="Microsoft JhengHei" pitchFamily="34" charset="-120"/>
+              </a:rPr>
+              <a:t>耀父神彰顯</a:t>
+            </a:r>
+            <a:endParaRPr lang="en-US" altLang="zh-TW" sz="4800" b="1" dirty="0">
+              <a:solidFill>
+                <a:srgbClr val="000066"/>
+              </a:solidFill>
               <a:latin typeface="Microsoft JhengHei" pitchFamily="34" charset="-120"/>
               <a:ea typeface="Microsoft JhengHei" pitchFamily="34" charset="-120"/>
             </a:endParaRPr>
           </a:p>
-        </p:txBody>
-      </p:sp>
-      <p:sp>
-        <p:nvSpPr>
-          <p:cNvPr id="3" name="Content Placeholder 2"/>
-          <p:cNvSpPr>
-            <a:spLocks noGrp="1"/>
-          </p:cNvSpPr>
-          <p:nvPr>
-            <p:ph idx="1"/>
-          </p:nvPr>
-        </p:nvSpPr>
-        <p:spPr/>
-        <p:txBody>
-          <a:bodyPr>
-            <a:noAutofit/>
-          </a:bodyPr>
-          <a:lstStyle/>
           <a:p>
             <a:pPr marL="0" indent="0" algn="ctr">
               <a:buNone/>
             </a:pPr>
             <a:r>
               <a:rPr lang="zh-TW" altLang="en-US" sz="4800" b="1" dirty="0">
+                <a:solidFill>
+                  <a:srgbClr val="000066"/>
+                </a:solidFill>
                 <a:latin typeface="Microsoft JhengHei" pitchFamily="34" charset="-120"/>
                 <a:ea typeface="Microsoft JhengHei" pitchFamily="34" charset="-120"/>
               </a:rPr>
-              <a:t>獻上尊</a:t>
-            </a:r>
-            <a:r>
-              <a:rPr lang="zh-TW" altLang="en-US" sz="4800" b="1" dirty="0">
+              <a:t>救贖真</a:t>
+            </a:r>
+            <a:r>
+              <a:rPr lang="zh-TW" altLang="en-US" sz="4800" b="1" dirty="0" smtClean="0">
+                <a:solidFill>
+                  <a:srgbClr val="000066"/>
+                </a:solidFill>
                 <a:latin typeface="Microsoft JhengHei" pitchFamily="34" charset="-120"/>
                 <a:ea typeface="Microsoft JhengHei" pitchFamily="34" charset="-120"/>
               </a:rPr>
-              <a:t>榮  尊榮</a:t>
+              <a:t>光  </a:t>
+            </a:r>
+            <a:r>
+              <a:rPr lang="zh-TW" altLang="en-US" sz="4800" b="1" dirty="0">
+                <a:solidFill>
+                  <a:srgbClr val="000066"/>
+                </a:solidFill>
+                <a:latin typeface="Microsoft JhengHei" pitchFamily="34" charset="-120"/>
+                <a:ea typeface="Microsoft JhengHei" pitchFamily="34" charset="-120"/>
+              </a:rPr>
+              <a:t>萬國的盼望</a:t>
             </a:r>
             <a:endParaRPr lang="en-US" altLang="zh-TW" sz="4800" b="1" dirty="0">
+              <a:solidFill>
+                <a:srgbClr val="000066"/>
+              </a:solidFill>
               <a:latin typeface="Microsoft JhengHei" pitchFamily="34" charset="-120"/>
               <a:ea typeface="Microsoft JhengHei" pitchFamily="34" charset="-120"/>
             </a:endParaRPr>
           </a:p>
-          <a:p>
-            <a:pPr marL="0" indent="0" algn="ctr">
-              <a:buNone/>
-            </a:pPr>
-            <a:r>
-              <a:rPr lang="zh-TW" altLang="en-US" sz="4800" b="1" dirty="0">
-                <a:latin typeface="Microsoft JhengHei" pitchFamily="34" charset="-120"/>
-                <a:ea typeface="Microsoft JhengHei" pitchFamily="34" charset="-120"/>
-              </a:rPr>
-              <a:t>給</a:t>
-            </a:r>
-            <a:r>
-              <a:rPr lang="zh-TW" altLang="en-US" sz="4800" b="1" dirty="0">
-                <a:latin typeface="Microsoft JhengHei" pitchFamily="34" charset="-120"/>
-                <a:ea typeface="Microsoft JhengHei" pitchFamily="34" charset="-120"/>
-              </a:rPr>
-              <a:t>主耶</a:t>
-            </a:r>
-            <a:r>
-              <a:rPr lang="zh-TW" altLang="en-US" sz="4800" b="1" dirty="0">
-                <a:latin typeface="Microsoft JhengHei" pitchFamily="34" charset="-120"/>
-                <a:ea typeface="Microsoft JhengHei" pitchFamily="34" charset="-120"/>
-              </a:rPr>
-              <a:t>穌  在</a:t>
-            </a:r>
-            <a:r>
-              <a:rPr lang="zh-TW" altLang="en-US" sz="4800" b="1" dirty="0">
-                <a:latin typeface="Microsoft JhengHei" pitchFamily="34" charset="-120"/>
-                <a:ea typeface="Microsoft JhengHei" pitchFamily="34" charset="-120"/>
-              </a:rPr>
-              <a:t>萬名之</a:t>
-            </a:r>
-            <a:r>
-              <a:rPr lang="zh-TW" altLang="en-US" sz="4800" b="1" dirty="0">
-                <a:latin typeface="Microsoft JhengHei" pitchFamily="34" charset="-120"/>
-                <a:ea typeface="Microsoft JhengHei" pitchFamily="34" charset="-120"/>
-              </a:rPr>
-              <a:t>上</a:t>
-            </a:r>
-            <a:endParaRPr lang="en-US" altLang="zh-TW" sz="4800" b="1" dirty="0">
-              <a:latin typeface="Microsoft JhengHei" pitchFamily="34" charset="-120"/>
-              <a:ea typeface="Microsoft JhengHei" pitchFamily="34" charset="-120"/>
-            </a:endParaRPr>
-          </a:p>
-          <a:p>
-            <a:pPr marL="0" indent="0" algn="ctr">
-              <a:buNone/>
-            </a:pPr>
-            <a:r>
-              <a:rPr lang="zh-TW" altLang="en-US" sz="4800" b="1" dirty="0">
-                <a:latin typeface="Microsoft JhengHei" pitchFamily="34" charset="-120"/>
-                <a:ea typeface="Microsoft JhengHei" pitchFamily="34" charset="-120"/>
-              </a:rPr>
-              <a:t>獻</a:t>
-            </a:r>
-            <a:r>
-              <a:rPr lang="zh-TW" altLang="en-US" sz="4800" b="1" dirty="0">
-                <a:latin typeface="Microsoft JhengHei" pitchFamily="34" charset="-120"/>
-                <a:ea typeface="Microsoft JhengHei" pitchFamily="34" charset="-120"/>
-              </a:rPr>
-              <a:t>上敬</a:t>
-            </a:r>
-            <a:r>
-              <a:rPr lang="zh-TW" altLang="en-US" sz="4800" b="1" dirty="0">
-                <a:latin typeface="Microsoft JhengHei" pitchFamily="34" charset="-120"/>
-                <a:ea typeface="Microsoft JhengHei" pitchFamily="34" charset="-120"/>
-              </a:rPr>
-              <a:t>拜  敬拜</a:t>
-            </a:r>
-            <a:endParaRPr lang="en-US" altLang="zh-TW" sz="4800" b="1" dirty="0">
-              <a:latin typeface="Microsoft JhengHei" pitchFamily="34" charset="-120"/>
-              <a:ea typeface="Microsoft JhengHei" pitchFamily="34" charset="-120"/>
-            </a:endParaRPr>
-          </a:p>
-          <a:p>
-            <a:pPr marL="0" indent="0" algn="ctr">
-              <a:buNone/>
-            </a:pPr>
-            <a:r>
-              <a:rPr lang="zh-TW" altLang="en-US" sz="4800" b="1" dirty="0">
-                <a:latin typeface="Microsoft JhengHei" pitchFamily="34" charset="-120"/>
-                <a:ea typeface="Microsoft JhengHei" pitchFamily="34" charset="-120"/>
-              </a:rPr>
-              <a:t>願</a:t>
-            </a:r>
-            <a:r>
-              <a:rPr lang="zh-TW" altLang="en-US" sz="4800" b="1" dirty="0">
-                <a:latin typeface="Microsoft JhengHei" pitchFamily="34" charset="-120"/>
-                <a:ea typeface="Microsoft JhengHei" pitchFamily="34" charset="-120"/>
-              </a:rPr>
-              <a:t>你崇高在全地之</a:t>
-            </a:r>
-            <a:r>
-              <a:rPr lang="zh-TW" altLang="en-US" sz="4800" b="1" dirty="0">
-                <a:latin typeface="Microsoft JhengHei" pitchFamily="34" charset="-120"/>
-                <a:ea typeface="Microsoft JhengHei" pitchFamily="34" charset="-120"/>
-              </a:rPr>
-              <a:t>上</a:t>
-            </a:r>
-            <a:endParaRPr lang="en-US" sz="4800" b="1" dirty="0">
-              <a:latin typeface="Microsoft JhengHei" pitchFamily="34" charset="-120"/>
-              <a:ea typeface="Microsoft JhengHei" pitchFamily="34" charset="-120"/>
-            </a:endParaRPr>
-          </a:p>
         </p:txBody>
       </p:sp>
     </p:spTree>
     <p:extLst>
       <p:ext uri="{BB962C8B-B14F-4D97-AF65-F5344CB8AC3E}">
-        <p14:creationId xmlns:p14="http://schemas.microsoft.com/office/powerpoint/2010/main" val="255825572"/>
+        <p14:creationId xmlns:p14="http://schemas.microsoft.com/office/powerpoint/2010/main" val="2559085808"/>
       </p:ext>
     </p:extLst>
   </p:cSld>
@@ -3467,135 +3308,297 @@
       </p:grpSpPr>
       <p:sp>
         <p:nvSpPr>
-          <p:cNvPr id="2" name="Title 1"/>
-          <p:cNvSpPr>
-            <a:spLocks noGrp="1"/>
-          </p:cNvSpPr>
-          <p:nvPr>
-            <p:ph type="title"/>
-          </p:nvPr>
-        </p:nvSpPr>
-        <p:spPr/>
-        <p:txBody>
-          <a:bodyPr>
+          <p:cNvPr id="5" name="內容版面配置區 4"/>
+          <p:cNvSpPr>
+            <a:spLocks noGrp="1"/>
+          </p:cNvSpPr>
+          <p:nvPr>
+            <p:ph idx="1"/>
+          </p:nvPr>
+        </p:nvSpPr>
+        <p:spPr>
+          <a:xfrm>
+            <a:off x="0" y="1563638"/>
+            <a:ext cx="9144000" cy="1803647"/>
+          </a:xfrm>
+        </p:spPr>
+        <p:txBody>
+          <a:bodyPr anchor="ctr">
             <a:normAutofit/>
           </a:bodyPr>
           <a:lstStyle/>
           <a:p>
-            <a:r>
-              <a:rPr lang="zh-CN" altLang="en-US" sz="4000" b="1" dirty="0">
+            <a:pPr marL="0" indent="0" algn="ctr">
+              <a:buNone/>
+            </a:pPr>
+            <a:r>
+              <a:rPr lang="zh-CN" altLang="en-US" sz="4800" b="1" dirty="0" smtClean="0">
+                <a:solidFill>
+                  <a:srgbClr val="000066"/>
+                </a:solidFill>
                 <a:latin typeface="Microsoft JhengHei" pitchFamily="34" charset="-120"/>
                 <a:ea typeface="Microsoft JhengHei" pitchFamily="34" charset="-120"/>
               </a:rPr>
-              <a:t>獻上尊榮</a:t>
-            </a:r>
-            <a:endParaRPr lang="en-US" sz="4000" b="1" dirty="0">
+              <a:t>袮</a:t>
+            </a:r>
+            <a:r>
+              <a:rPr lang="zh-TW" altLang="en-US" sz="4800" b="1" dirty="0" smtClean="0">
+                <a:solidFill>
+                  <a:srgbClr val="000066"/>
+                </a:solidFill>
+                <a:latin typeface="Microsoft JhengHei" pitchFamily="34" charset="-120"/>
+                <a:ea typeface="Microsoft JhengHei" pitchFamily="34" charset="-120"/>
+              </a:rPr>
+              <a:t>的</a:t>
+            </a:r>
+            <a:r>
+              <a:rPr lang="zh-TW" altLang="en-US" sz="4800" b="1" dirty="0">
+                <a:solidFill>
+                  <a:srgbClr val="000066"/>
+                </a:solidFill>
+                <a:latin typeface="Microsoft JhengHei" pitchFamily="34" charset="-120"/>
+                <a:ea typeface="Microsoft JhengHei" pitchFamily="34" charset="-120"/>
+              </a:rPr>
+              <a:t>國度寶座存到永遠</a:t>
+            </a:r>
+            <a:endParaRPr lang="en-US" altLang="zh-TW" sz="4800" b="1" dirty="0">
+              <a:solidFill>
+                <a:srgbClr val="000066"/>
+              </a:solidFill>
               <a:latin typeface="Microsoft JhengHei" pitchFamily="34" charset="-120"/>
               <a:ea typeface="Microsoft JhengHei" pitchFamily="34" charset="-120"/>
             </a:endParaRPr>
           </a:p>
-        </p:txBody>
-      </p:sp>
-      <p:sp>
-        <p:nvSpPr>
-          <p:cNvPr id="3" name="Content Placeholder 2"/>
-          <p:cNvSpPr>
-            <a:spLocks noGrp="1"/>
-          </p:cNvSpPr>
-          <p:nvPr>
-            <p:ph idx="1"/>
-          </p:nvPr>
-        </p:nvSpPr>
-        <p:spPr>
-          <a:xfrm>
-            <a:off x="457200" y="1200150"/>
-            <a:ext cx="8229600" cy="3943349"/>
-          </a:xfrm>
-        </p:spPr>
-        <p:txBody>
-          <a:bodyPr>
-            <a:noAutofit/>
-          </a:bodyPr>
-          <a:lstStyle/>
           <a:p>
             <a:pPr marL="0" indent="0" algn="ctr">
               <a:buNone/>
             </a:pPr>
             <a:r>
               <a:rPr lang="zh-TW" altLang="en-US" sz="4800" b="1" dirty="0">
-                <a:latin typeface="Microsoft JhengHei" pitchFamily="34" charset="-120"/>
-                <a:ea typeface="Microsoft JhengHei" pitchFamily="34" charset="-120"/>
-              </a:rPr>
-              <a:t>日出之地到日落之</a:t>
-            </a:r>
-            <a:r>
-              <a:rPr lang="zh-TW" altLang="en-US" sz="4800" b="1" dirty="0">
-                <a:latin typeface="Microsoft JhengHei" pitchFamily="34" charset="-120"/>
-                <a:ea typeface="Microsoft JhengHei" pitchFamily="34" charset="-120"/>
-              </a:rPr>
-              <a:t>處</a:t>
-            </a:r>
-            <a:endParaRPr lang="en-US" altLang="zh-TW" sz="4800" b="1" dirty="0">
-              <a:latin typeface="Microsoft JhengHei" pitchFamily="34" charset="-120"/>
-              <a:ea typeface="Microsoft JhengHei" pitchFamily="34" charset="-120"/>
-            </a:endParaRPr>
-          </a:p>
-          <a:p>
-            <a:pPr marL="0" indent="0" algn="ctr">
-              <a:buNone/>
-            </a:pPr>
-            <a:r>
-              <a:rPr lang="zh-TW" altLang="en-US" sz="4800" b="1" dirty="0">
+                <a:solidFill>
+                  <a:srgbClr val="000066"/>
+                </a:solidFill>
                 <a:latin typeface="Microsoft JhengHei" pitchFamily="34" charset="-120"/>
                 <a:ea typeface="Microsoft JhengHei" pitchFamily="34" charset="-120"/>
               </a:rPr>
               <a:t>唯</a:t>
             </a:r>
             <a:r>
-              <a:rPr lang="zh-TW" altLang="en-US" sz="4800" b="1" dirty="0">
+              <a:rPr lang="zh-TW" altLang="en-US" sz="4800" b="1" dirty="0" smtClean="0">
+                <a:solidFill>
+                  <a:srgbClr val="000066"/>
+                </a:solidFill>
                 <a:latin typeface="Microsoft JhengHei" pitchFamily="34" charset="-120"/>
                 <a:ea typeface="Microsoft JhengHei" pitchFamily="34" charset="-120"/>
               </a:rPr>
-              <a:t>有你名被尊崇為</a:t>
-            </a:r>
-            <a:r>
-              <a:rPr lang="zh-TW" altLang="en-US" sz="4800" b="1" dirty="0">
+              <a:t>有</a:t>
+            </a:r>
+            <a:r>
+              <a:rPr lang="zh-CN" altLang="en-US" sz="4800" b="1" dirty="0">
+                <a:solidFill>
+                  <a:srgbClr val="000066"/>
+                </a:solidFill>
                 <a:latin typeface="Microsoft JhengHei" pitchFamily="34" charset="-120"/>
                 <a:ea typeface="Microsoft JhengHei" pitchFamily="34" charset="-120"/>
               </a:rPr>
-              <a:t>大</a:t>
-            </a:r>
-            <a:endParaRPr lang="en-US" altLang="zh-TW" sz="4800" b="1" dirty="0">
+              <a:t>袮</a:t>
+            </a:r>
+            <a:r>
+              <a:rPr lang="zh-TW" altLang="en-US" sz="4800" b="1" dirty="0" smtClean="0">
+                <a:solidFill>
+                  <a:srgbClr val="000066"/>
+                </a:solidFill>
+                <a:latin typeface="Microsoft JhengHei" pitchFamily="34" charset="-120"/>
+                <a:ea typeface="Microsoft JhengHei" pitchFamily="34" charset="-120"/>
+              </a:rPr>
+              <a:t>配</a:t>
+            </a:r>
+            <a:r>
+              <a:rPr lang="zh-TW" altLang="en-US" sz="4800" b="1" dirty="0">
+                <a:solidFill>
+                  <a:srgbClr val="000066"/>
+                </a:solidFill>
+                <a:latin typeface="Microsoft JhengHei" pitchFamily="34" charset="-120"/>
+                <a:ea typeface="Microsoft JhengHei" pitchFamily="34" charset="-120"/>
+              </a:rPr>
+              <a:t>得所有頌讚</a:t>
+            </a:r>
+            <a:endParaRPr lang="en-US" sz="4800" b="1" dirty="0">
+              <a:solidFill>
+                <a:srgbClr val="000066"/>
+              </a:solidFill>
               <a:latin typeface="Microsoft JhengHei" pitchFamily="34" charset="-120"/>
               <a:ea typeface="Microsoft JhengHei" pitchFamily="34" charset="-120"/>
             </a:endParaRPr>
           </a:p>
+        </p:txBody>
+      </p:sp>
+    </p:spTree>
+    <p:extLst>
+      <p:ext uri="{BB962C8B-B14F-4D97-AF65-F5344CB8AC3E}">
+        <p14:creationId xmlns:p14="http://schemas.microsoft.com/office/powerpoint/2010/main" val="802661239"/>
+      </p:ext>
+    </p:extLst>
+  </p:cSld>
+  <p:clrMapOvr>
+    <a:masterClrMapping/>
+  </p:clrMapOvr>
+</p:sld>
+</file>
+
+<file path=ppt/slides/slide4.xml><?xml version="1.0" encoding="utf-8"?>
+<p:sld xmlns:a="http://schemas.openxmlformats.org/drawingml/2006/main" xmlns:r="http://schemas.openxmlformats.org/officeDocument/2006/relationships" xmlns:p="http://schemas.openxmlformats.org/presentationml/2006/main">
+  <p:cSld>
+    <p:spTree>
+      <p:nvGrpSpPr>
+        <p:cNvPr id="1" name=""/>
+        <p:cNvGrpSpPr/>
+        <p:nvPr/>
+      </p:nvGrpSpPr>
+      <p:grpSpPr>
+        <a:xfrm>
+          <a:off x="0" y="0"/>
+          <a:ext cx="0" cy="0"/>
+          <a:chOff x="0" y="0"/>
+          <a:chExt cx="0" cy="0"/>
+        </a:xfrm>
+      </p:grpSpPr>
+      <p:sp>
+        <p:nvSpPr>
+          <p:cNvPr id="5" name="內容版面配置區 4"/>
+          <p:cNvSpPr>
+            <a:spLocks noGrp="1"/>
+          </p:cNvSpPr>
+          <p:nvPr>
+            <p:ph idx="1"/>
+          </p:nvPr>
+        </p:nvSpPr>
+        <p:spPr>
+          <a:xfrm>
+            <a:off x="0" y="1563638"/>
+            <a:ext cx="9144000" cy="1803647"/>
+          </a:xfrm>
+        </p:spPr>
+        <p:txBody>
+          <a:bodyPr anchor="ctr">
+            <a:normAutofit/>
+          </a:bodyPr>
+          <a:lstStyle/>
           <a:p>
             <a:pPr marL="0" indent="0" algn="ctr">
               <a:buNone/>
             </a:pPr>
             <a:r>
               <a:rPr lang="zh-TW" altLang="en-US" sz="4800" b="1" dirty="0">
+                <a:solidFill>
+                  <a:srgbClr val="000066"/>
+                </a:solidFill>
                 <a:latin typeface="Microsoft JhengHei" pitchFamily="34" charset="-120"/>
                 <a:ea typeface="Microsoft JhengHei" pitchFamily="34" charset="-120"/>
               </a:rPr>
-              <a:t>最</a:t>
-            </a:r>
+              <a:t>獻上尊榮  尊榮</a:t>
+            </a:r>
+            <a:endParaRPr lang="en-US" altLang="zh-TW" sz="4800" b="1" dirty="0">
+              <a:solidFill>
+                <a:srgbClr val="000066"/>
+              </a:solidFill>
+              <a:latin typeface="Microsoft JhengHei" pitchFamily="34" charset="-120"/>
+              <a:ea typeface="Microsoft JhengHei" pitchFamily="34" charset="-120"/>
+            </a:endParaRPr>
+          </a:p>
+          <a:p>
+            <a:pPr marL="0" indent="0" algn="ctr">
+              <a:buNone/>
+            </a:pPr>
             <a:r>
               <a:rPr lang="zh-TW" altLang="en-US" sz="4800" b="1" dirty="0">
+                <a:solidFill>
+                  <a:srgbClr val="000066"/>
+                </a:solidFill>
                 <a:latin typeface="Microsoft JhengHei" pitchFamily="34" charset="-120"/>
                 <a:ea typeface="Microsoft JhengHei" pitchFamily="34" charset="-120"/>
               </a:rPr>
-              <a:t>小部落到最大國</a:t>
-            </a:r>
+              <a:t>給主耶穌  在萬名之上</a:t>
+            </a:r>
+            <a:endParaRPr lang="en-US" altLang="zh-TW" sz="4800" b="1" dirty="0">
+              <a:solidFill>
+                <a:srgbClr val="000066"/>
+              </a:solidFill>
+              <a:latin typeface="Microsoft JhengHei" pitchFamily="34" charset="-120"/>
+              <a:ea typeface="Microsoft JhengHei" pitchFamily="34" charset="-120"/>
+            </a:endParaRPr>
+          </a:p>
+        </p:txBody>
+      </p:sp>
+    </p:spTree>
+    <p:extLst>
+      <p:ext uri="{BB962C8B-B14F-4D97-AF65-F5344CB8AC3E}">
+        <p14:creationId xmlns:p14="http://schemas.microsoft.com/office/powerpoint/2010/main" val="4212950863"/>
+      </p:ext>
+    </p:extLst>
+  </p:cSld>
+  <p:clrMapOvr>
+    <a:masterClrMapping/>
+  </p:clrMapOvr>
+</p:sld>
+</file>
+
+<file path=ppt/slides/slide5.xml><?xml version="1.0" encoding="utf-8"?>
+<p:sld xmlns:a="http://schemas.openxmlformats.org/drawingml/2006/main" xmlns:r="http://schemas.openxmlformats.org/officeDocument/2006/relationships" xmlns:p="http://schemas.openxmlformats.org/presentationml/2006/main">
+  <p:cSld>
+    <p:spTree>
+      <p:nvGrpSpPr>
+        <p:cNvPr id="1" name=""/>
+        <p:cNvGrpSpPr/>
+        <p:nvPr/>
+      </p:nvGrpSpPr>
+      <p:grpSpPr>
+        <a:xfrm>
+          <a:off x="0" y="0"/>
+          <a:ext cx="0" cy="0"/>
+          <a:chOff x="0" y="0"/>
+          <a:chExt cx="0" cy="0"/>
+        </a:xfrm>
+      </p:grpSpPr>
+      <p:sp>
+        <p:nvSpPr>
+          <p:cNvPr id="5" name="內容版面配置區 4"/>
+          <p:cNvSpPr>
+            <a:spLocks noGrp="1"/>
+          </p:cNvSpPr>
+          <p:nvPr>
+            <p:ph idx="1"/>
+          </p:nvPr>
+        </p:nvSpPr>
+        <p:spPr>
+          <a:xfrm>
+            <a:off x="0" y="1563638"/>
+            <a:ext cx="9144000" cy="1803647"/>
+          </a:xfrm>
+        </p:spPr>
+        <p:txBody>
+          <a:bodyPr anchor="ctr">
+            <a:normAutofit/>
+          </a:bodyPr>
+          <a:lstStyle/>
+          <a:p>
+            <a:pPr marL="0" indent="0" algn="ctr">
+              <a:buNone/>
+            </a:pPr>
             <a:r>
               <a:rPr lang="zh-TW" altLang="en-US" sz="4800" b="1" dirty="0">
+                <a:solidFill>
+                  <a:srgbClr val="000066"/>
+                </a:solidFill>
                 <a:latin typeface="Microsoft JhengHei" pitchFamily="34" charset="-120"/>
                 <a:ea typeface="Microsoft JhengHei" pitchFamily="34" charset="-120"/>
               </a:rPr>
-              <a:t>家</a:t>
+              <a:t>獻上敬拜  敬拜</a:t>
             </a:r>
             <a:endParaRPr lang="en-US" altLang="zh-TW" sz="4800" b="1" dirty="0">
+              <a:solidFill>
+                <a:srgbClr val="000066"/>
+              </a:solidFill>
               <a:latin typeface="Microsoft JhengHei" pitchFamily="34" charset="-120"/>
               <a:ea typeface="Microsoft JhengHei" pitchFamily="34" charset="-120"/>
             </a:endParaRPr>
@@ -3605,27 +3608,49 @@
               <a:buNone/>
             </a:pPr>
             <a:r>
-              <a:rPr lang="zh-TW" altLang="en-US" sz="4800" b="1" dirty="0">
+              <a:rPr lang="zh-TW" altLang="en-US" sz="4800" b="1" dirty="0" smtClean="0">
+                <a:solidFill>
+                  <a:srgbClr val="000066"/>
+                </a:solidFill>
                 <a:latin typeface="Microsoft JhengHei" pitchFamily="34" charset="-120"/>
                 <a:ea typeface="Microsoft JhengHei" pitchFamily="34" charset="-120"/>
               </a:rPr>
-              <a:t>凡</a:t>
-            </a:r>
-            <a:r>
-              <a:rPr lang="zh-TW" altLang="en-US" sz="4800" b="1" dirty="0">
+              <a:t>願</a:t>
+            </a:r>
+            <a:r>
+              <a:rPr lang="zh-CN" altLang="en-US" sz="4800" b="1" dirty="0" smtClean="0">
+                <a:solidFill>
+                  <a:srgbClr val="000066"/>
+                </a:solidFill>
                 <a:latin typeface="Microsoft JhengHei" pitchFamily="34" charset="-120"/>
                 <a:ea typeface="Microsoft JhengHei" pitchFamily="34" charset="-120"/>
               </a:rPr>
-              <a:t>有氣息都歸榮耀給</a:t>
-            </a:r>
-            <a:r>
-              <a:rPr lang="zh-TW" altLang="en-US" sz="4800" b="1" dirty="0">
+              <a:t>袮</a:t>
+            </a:r>
+            <a:r>
+              <a:rPr lang="zh-TW" altLang="en-US" sz="4800" b="1" dirty="0" smtClean="0">
+                <a:solidFill>
+                  <a:srgbClr val="000066"/>
+                </a:solidFill>
                 <a:latin typeface="Microsoft JhengHei" pitchFamily="34" charset="-120"/>
                 <a:ea typeface="Microsoft JhengHei" pitchFamily="34" charset="-120"/>
               </a:rPr>
-              <a:t>你</a:t>
+              <a:t>崇</a:t>
+            </a:r>
+            <a:r>
+              <a:rPr lang="zh-TW" altLang="en-US" sz="4800" b="1" dirty="0">
+                <a:solidFill>
+                  <a:srgbClr val="000066"/>
+                </a:solidFill>
+                <a:latin typeface="Microsoft JhengHei" pitchFamily="34" charset="-120"/>
+                <a:ea typeface="Microsoft JhengHei" pitchFamily="34" charset="-120"/>
+              </a:rPr>
+              <a:t>高在全地之上</a:t>
             </a:r>
             <a:endParaRPr lang="en-US" sz="4800" b="1" dirty="0">
+              <a:solidFill>
+                <a:srgbClr val="000066"/>
+              </a:solidFill>
               <a:latin typeface="Microsoft JhengHei" pitchFamily="34" charset="-120"/>
               <a:ea typeface="Microsoft JhengHei" pitchFamily="34" charset="-120"/>
             </a:endParaRPr>
@@ -3635,7 +3660,261 @@
     </p:spTree>
     <p:extLst>
       <p:ext uri="{BB962C8B-B14F-4D97-AF65-F5344CB8AC3E}">
-        <p14:creationId xmlns:p14="http://schemas.microsoft.com/office/powerpoint/2010/main" val="1180378472"/>
+        <p14:creationId xmlns:p14="http://schemas.microsoft.com/office/powerpoint/2010/main" val="1821084914"/>
+      </p:ext>
+    </p:extLst>
+  </p:cSld>
+  <p:clrMapOvr>
+    <a:masterClrMapping/>
+  </p:clrMapOvr>
+</p:sld>
+</file>
+
+<file path=ppt/slides/slide6.xml><?xml version="1.0" encoding="utf-8"?>
+<p:sld xmlns:a="http://schemas.openxmlformats.org/drawingml/2006/main" xmlns:r="http://schemas.openxmlformats.org/officeDocument/2006/relationships" xmlns:p="http://schemas.openxmlformats.org/presentationml/2006/main">
+  <p:cSld>
+    <p:spTree>
+      <p:nvGrpSpPr>
+        <p:cNvPr id="1" name=""/>
+        <p:cNvGrpSpPr/>
+        <p:nvPr/>
+      </p:nvGrpSpPr>
+      <p:grpSpPr>
+        <a:xfrm>
+          <a:off x="0" y="0"/>
+          <a:ext cx="0" cy="0"/>
+          <a:chOff x="0" y="0"/>
+          <a:chExt cx="0" cy="0"/>
+        </a:xfrm>
+      </p:grpSpPr>
+      <p:sp>
+        <p:nvSpPr>
+          <p:cNvPr id="5" name="內容版面配置區 4"/>
+          <p:cNvSpPr>
+            <a:spLocks noGrp="1"/>
+          </p:cNvSpPr>
+          <p:nvPr>
+            <p:ph idx="1"/>
+          </p:nvPr>
+        </p:nvSpPr>
+        <p:spPr>
+          <a:xfrm>
+            <a:off x="0" y="1563638"/>
+            <a:ext cx="9144000" cy="1803647"/>
+          </a:xfrm>
+        </p:spPr>
+        <p:txBody>
+          <a:bodyPr anchor="ctr">
+            <a:normAutofit/>
+          </a:bodyPr>
+          <a:lstStyle/>
+          <a:p>
+            <a:pPr marL="0" indent="0" algn="ctr">
+              <a:buNone/>
+            </a:pPr>
+            <a:r>
+              <a:rPr lang="zh-TW" altLang="en-US" sz="4800" b="1" dirty="0">
+                <a:solidFill>
+                  <a:srgbClr val="000066"/>
+                </a:solidFill>
+                <a:latin typeface="Microsoft JhengHei" pitchFamily="34" charset="-120"/>
+                <a:ea typeface="Microsoft JhengHei" pitchFamily="34" charset="-120"/>
+              </a:rPr>
+              <a:t>日出之地到日落之處</a:t>
+            </a:r>
+            <a:endParaRPr lang="en-US" altLang="zh-TW" sz="4800" b="1" dirty="0">
+              <a:solidFill>
+                <a:srgbClr val="000066"/>
+              </a:solidFill>
+              <a:latin typeface="Microsoft JhengHei" pitchFamily="34" charset="-120"/>
+              <a:ea typeface="Microsoft JhengHei" pitchFamily="34" charset="-120"/>
+            </a:endParaRPr>
+          </a:p>
+          <a:p>
+            <a:pPr marL="0" indent="0" algn="ctr">
+              <a:buNone/>
+            </a:pPr>
+            <a:r>
+              <a:rPr lang="zh-TW" altLang="en-US" sz="4800" b="1" dirty="0">
+                <a:solidFill>
+                  <a:srgbClr val="000066"/>
+                </a:solidFill>
+                <a:latin typeface="Microsoft JhengHei" pitchFamily="34" charset="-120"/>
+                <a:ea typeface="Microsoft JhengHei" pitchFamily="34" charset="-120"/>
+              </a:rPr>
+              <a:t>唯</a:t>
+            </a:r>
+            <a:r>
+              <a:rPr lang="zh-TW" altLang="en-US" sz="4800" b="1" dirty="0" smtClean="0">
+                <a:solidFill>
+                  <a:srgbClr val="000066"/>
+                </a:solidFill>
+                <a:latin typeface="Microsoft JhengHei" pitchFamily="34" charset="-120"/>
+                <a:ea typeface="Microsoft JhengHei" pitchFamily="34" charset="-120"/>
+              </a:rPr>
+              <a:t>有</a:t>
+            </a:r>
+            <a:r>
+              <a:rPr lang="zh-CN" altLang="en-US" sz="4800" b="1" dirty="0" smtClean="0">
+                <a:solidFill>
+                  <a:srgbClr val="000066"/>
+                </a:solidFill>
+                <a:latin typeface="Microsoft JhengHei" pitchFamily="34" charset="-120"/>
+                <a:ea typeface="Microsoft JhengHei" pitchFamily="34" charset="-120"/>
+              </a:rPr>
+              <a:t>袮</a:t>
+            </a:r>
+            <a:r>
+              <a:rPr lang="zh-TW" altLang="en-US" sz="4800" b="1" dirty="0" smtClean="0">
+                <a:solidFill>
+                  <a:srgbClr val="000066"/>
+                </a:solidFill>
+                <a:latin typeface="Microsoft JhengHei" pitchFamily="34" charset="-120"/>
+                <a:ea typeface="Microsoft JhengHei" pitchFamily="34" charset="-120"/>
+              </a:rPr>
+              <a:t>名</a:t>
+            </a:r>
+            <a:r>
+              <a:rPr lang="zh-TW" altLang="en-US" sz="4800" b="1" dirty="0">
+                <a:solidFill>
+                  <a:srgbClr val="000066"/>
+                </a:solidFill>
+                <a:latin typeface="Microsoft JhengHei" pitchFamily="34" charset="-120"/>
+                <a:ea typeface="Microsoft JhengHei" pitchFamily="34" charset="-120"/>
+              </a:rPr>
+              <a:t>被尊崇為大</a:t>
+            </a:r>
+            <a:endParaRPr lang="en-US" altLang="zh-TW" sz="4800" b="1" dirty="0">
+              <a:solidFill>
+                <a:srgbClr val="000066"/>
+              </a:solidFill>
+              <a:latin typeface="Microsoft JhengHei" pitchFamily="34" charset="-120"/>
+              <a:ea typeface="Microsoft JhengHei" pitchFamily="34" charset="-120"/>
+            </a:endParaRPr>
+          </a:p>
+        </p:txBody>
+      </p:sp>
+    </p:spTree>
+    <p:extLst>
+      <p:ext uri="{BB962C8B-B14F-4D97-AF65-F5344CB8AC3E}">
+        <p14:creationId xmlns:p14="http://schemas.microsoft.com/office/powerpoint/2010/main" val="484451829"/>
+      </p:ext>
+    </p:extLst>
+  </p:cSld>
+  <p:clrMapOvr>
+    <a:masterClrMapping/>
+  </p:clrMapOvr>
+</p:sld>
+</file>
+
+<file path=ppt/slides/slide7.xml><?xml version="1.0" encoding="utf-8"?>
+<p:sld xmlns:a="http://schemas.openxmlformats.org/drawingml/2006/main" xmlns:r="http://schemas.openxmlformats.org/officeDocument/2006/relationships" xmlns:p="http://schemas.openxmlformats.org/presentationml/2006/main">
+  <p:cSld>
+    <p:spTree>
+      <p:nvGrpSpPr>
+        <p:cNvPr id="1" name=""/>
+        <p:cNvGrpSpPr/>
+        <p:nvPr/>
+      </p:nvGrpSpPr>
+      <p:grpSpPr>
+        <a:xfrm>
+          <a:off x="0" y="0"/>
+          <a:ext cx="0" cy="0"/>
+          <a:chOff x="0" y="0"/>
+          <a:chExt cx="0" cy="0"/>
+        </a:xfrm>
+      </p:grpSpPr>
+      <p:sp>
+        <p:nvSpPr>
+          <p:cNvPr id="5" name="內容版面配置區 4"/>
+          <p:cNvSpPr>
+            <a:spLocks noGrp="1"/>
+          </p:cNvSpPr>
+          <p:nvPr>
+            <p:ph idx="1"/>
+          </p:nvPr>
+        </p:nvSpPr>
+        <p:spPr>
+          <a:xfrm>
+            <a:off x="0" y="1563638"/>
+            <a:ext cx="9144000" cy="1803647"/>
+          </a:xfrm>
+        </p:spPr>
+        <p:txBody>
+          <a:bodyPr anchor="ctr">
+            <a:normAutofit/>
+          </a:bodyPr>
+          <a:lstStyle/>
+          <a:p>
+            <a:pPr marL="0" indent="0" algn="ctr">
+              <a:buNone/>
+            </a:pPr>
+            <a:r>
+              <a:rPr lang="zh-TW" altLang="en-US" sz="4800" b="1" dirty="0">
+                <a:solidFill>
+                  <a:srgbClr val="000066"/>
+                </a:solidFill>
+                <a:latin typeface="Microsoft JhengHei" pitchFamily="34" charset="-120"/>
+                <a:ea typeface="Microsoft JhengHei" pitchFamily="34" charset="-120"/>
+              </a:rPr>
+              <a:t>最小部落到最大國家</a:t>
+            </a:r>
+            <a:endParaRPr lang="en-US" altLang="zh-TW" sz="4800" b="1" dirty="0">
+              <a:solidFill>
+                <a:srgbClr val="000066"/>
+              </a:solidFill>
+              <a:latin typeface="Microsoft JhengHei" pitchFamily="34" charset="-120"/>
+              <a:ea typeface="Microsoft JhengHei" pitchFamily="34" charset="-120"/>
+            </a:endParaRPr>
+          </a:p>
+          <a:p>
+            <a:pPr marL="0" indent="0" algn="ctr">
+              <a:buNone/>
+            </a:pPr>
+            <a:r>
+              <a:rPr lang="zh-TW" altLang="en-US" sz="4800" b="1" dirty="0">
+                <a:solidFill>
+                  <a:srgbClr val="000066"/>
+                </a:solidFill>
+                <a:latin typeface="Microsoft JhengHei" pitchFamily="34" charset="-120"/>
+                <a:ea typeface="Microsoft JhengHei" pitchFamily="34" charset="-120"/>
+              </a:rPr>
+              <a:t>凡有氣息都歸榮耀</a:t>
+            </a:r>
+            <a:r>
+              <a:rPr lang="zh-TW" altLang="en-US" sz="4800" b="1" dirty="0" smtClean="0">
+                <a:solidFill>
+                  <a:srgbClr val="000066"/>
+                </a:solidFill>
+                <a:latin typeface="Microsoft JhengHei" pitchFamily="34" charset="-120"/>
+                <a:ea typeface="Microsoft JhengHei" pitchFamily="34" charset="-120"/>
+              </a:rPr>
+              <a:t>給</a:t>
+            </a:r>
+            <a:r>
+              <a:rPr lang="zh-CN" altLang="en-US" sz="4800" b="1" dirty="0">
+                <a:solidFill>
+                  <a:srgbClr val="000066"/>
+                </a:solidFill>
+                <a:latin typeface="Microsoft JhengHei" pitchFamily="34" charset="-120"/>
+                <a:ea typeface="Microsoft JhengHei" pitchFamily="34" charset="-120"/>
+              </a:rPr>
+              <a:t>袮</a:t>
+            </a:r>
+            <a:endParaRPr lang="en-US" sz="4800" b="1" dirty="0">
+              <a:solidFill>
+                <a:srgbClr val="000066"/>
+              </a:solidFill>
+              <a:latin typeface="Microsoft JhengHei" pitchFamily="34" charset="-120"/>
+              <a:ea typeface="Microsoft JhengHei" pitchFamily="34" charset="-120"/>
+            </a:endParaRPr>
+          </a:p>
+        </p:txBody>
+      </p:sp>
+    </p:spTree>
+    <p:extLst>
+      <p:ext uri="{BB962C8B-B14F-4D97-AF65-F5344CB8AC3E}">
+        <p14:creationId xmlns:p14="http://schemas.microsoft.com/office/powerpoint/2010/main" val="4040710154"/>
       </p:ext>
     </p:extLst>
   </p:cSld>
